--- a/apimasters-2024/img/api-lifecycle.pptx
+++ b/apimasters-2024/img/api-lifecycle.pptx
@@ -104,6 +104,11 @@
       </a:defRPr>
     </a:lvl9pPr>
   </p:defaultTextStyle>
+  <p:extLst>
+    <p:ext uri="{EFAFB233-063F-42B5-8137-9DF3F51BA10A}">
+      <p15:sldGuideLst xmlns:p15="http://schemas.microsoft.com/office/powerpoint/2012/main"/>
+    </p:ext>
+  </p:extLst>
 </p:presentation>
 </file>
 
@@ -964,18 +969,7 @@
               </a:solidFill>
               <a:latin typeface="Ford Antenna Medium" panose="02000505000000020004" pitchFamily="2" charset="0"/>
             </a:rPr>
-            <a:t>Mock &amp;</a:t>
-          </a:r>
-        </a:p>
-        <a:p>
-          <a:r>
-            <a:rPr lang="en-GB" dirty="0">
-              <a:solidFill>
-                <a:srgbClr val="93D501"/>
-              </a:solidFill>
-              <a:latin typeface="Ford Antenna Medium" panose="02000505000000020004" pitchFamily="2" charset="0"/>
-            </a:rPr>
-            <a:t>Iterate</a:t>
+            <a:t>Mock &amp; Iterate</a:t>
           </a:r>
         </a:p>
       </dgm:t>
@@ -1895,30 +1889,7 @@
               </a:solidFill>
               <a:latin typeface="Ford Antenna Medium" panose="02000505000000020004" pitchFamily="2" charset="0"/>
             </a:rPr>
-            <a:t>Mock &amp;</a:t>
-          </a:r>
-        </a:p>
-        <a:p>
-          <a:pPr marL="0" lvl="0" indent="0" algn="ctr" defTabSz="711200">
-            <a:lnSpc>
-              <a:spcPct val="90000"/>
-            </a:lnSpc>
-            <a:spcBef>
-              <a:spcPct val="0"/>
-            </a:spcBef>
-            <a:spcAft>
-              <a:spcPct val="35000"/>
-            </a:spcAft>
-            <a:buNone/>
-          </a:pPr>
-          <a:r>
-            <a:rPr lang="en-GB" sz="1600" kern="1200" dirty="0">
-              <a:solidFill>
-                <a:srgbClr val="93D501"/>
-              </a:solidFill>
-              <a:latin typeface="Ford Antenna Medium" panose="02000505000000020004" pitchFamily="2" charset="0"/>
-            </a:rPr>
-            <a:t>Iterate</a:t>
+            <a:t>Mock &amp; Iterate</a:t>
           </a:r>
         </a:p>
       </dsp:txBody>
@@ -4305,7 +4276,7 @@
           <a:p>
             <a:fld id="{221424E7-B214-6A48-ABA6-8CC9BA759444}" type="datetimeFigureOut">
               <a:rPr lang="en-CH" smtClean="0"/>
-              <a:t>19.06.2025</a:t>
+              <a:t>20.06.2025</a:t>
             </a:fld>
             <a:endParaRPr lang="en-CH"/>
           </a:p>
@@ -4505,7 +4476,7 @@
           <a:p>
             <a:fld id="{221424E7-B214-6A48-ABA6-8CC9BA759444}" type="datetimeFigureOut">
               <a:rPr lang="en-CH" smtClean="0"/>
-              <a:t>19.06.2025</a:t>
+              <a:t>20.06.2025</a:t>
             </a:fld>
             <a:endParaRPr lang="en-CH"/>
           </a:p>
@@ -4715,7 +4686,7 @@
           <a:p>
             <a:fld id="{221424E7-B214-6A48-ABA6-8CC9BA759444}" type="datetimeFigureOut">
               <a:rPr lang="en-CH" smtClean="0"/>
-              <a:t>19.06.2025</a:t>
+              <a:t>20.06.2025</a:t>
             </a:fld>
             <a:endParaRPr lang="en-CH"/>
           </a:p>
@@ -4915,7 +4886,7 @@
           <a:p>
             <a:fld id="{221424E7-B214-6A48-ABA6-8CC9BA759444}" type="datetimeFigureOut">
               <a:rPr lang="en-CH" smtClean="0"/>
-              <a:t>19.06.2025</a:t>
+              <a:t>20.06.2025</a:t>
             </a:fld>
             <a:endParaRPr lang="en-CH"/>
           </a:p>
@@ -5191,7 +5162,7 @@
           <a:p>
             <a:fld id="{221424E7-B214-6A48-ABA6-8CC9BA759444}" type="datetimeFigureOut">
               <a:rPr lang="en-CH" smtClean="0"/>
-              <a:t>19.06.2025</a:t>
+              <a:t>20.06.2025</a:t>
             </a:fld>
             <a:endParaRPr lang="en-CH"/>
           </a:p>
@@ -5459,7 +5430,7 @@
           <a:p>
             <a:fld id="{221424E7-B214-6A48-ABA6-8CC9BA759444}" type="datetimeFigureOut">
               <a:rPr lang="en-CH" smtClean="0"/>
-              <a:t>19.06.2025</a:t>
+              <a:t>20.06.2025</a:t>
             </a:fld>
             <a:endParaRPr lang="en-CH"/>
           </a:p>
@@ -5874,7 +5845,7 @@
           <a:p>
             <a:fld id="{221424E7-B214-6A48-ABA6-8CC9BA759444}" type="datetimeFigureOut">
               <a:rPr lang="en-CH" smtClean="0"/>
-              <a:t>19.06.2025</a:t>
+              <a:t>20.06.2025</a:t>
             </a:fld>
             <a:endParaRPr lang="en-CH"/>
           </a:p>
@@ -6016,7 +5987,7 @@
           <a:p>
             <a:fld id="{221424E7-B214-6A48-ABA6-8CC9BA759444}" type="datetimeFigureOut">
               <a:rPr lang="en-CH" smtClean="0"/>
-              <a:t>19.06.2025</a:t>
+              <a:t>20.06.2025</a:t>
             </a:fld>
             <a:endParaRPr lang="en-CH"/>
           </a:p>
@@ -6129,7 +6100,7 @@
           <a:p>
             <a:fld id="{221424E7-B214-6A48-ABA6-8CC9BA759444}" type="datetimeFigureOut">
               <a:rPr lang="en-CH" smtClean="0"/>
-              <a:t>19.06.2025</a:t>
+              <a:t>20.06.2025</a:t>
             </a:fld>
             <a:endParaRPr lang="en-CH"/>
           </a:p>
@@ -6442,7 +6413,7 @@
           <a:p>
             <a:fld id="{221424E7-B214-6A48-ABA6-8CC9BA759444}" type="datetimeFigureOut">
               <a:rPr lang="en-CH" smtClean="0"/>
-              <a:t>19.06.2025</a:t>
+              <a:t>20.06.2025</a:t>
             </a:fld>
             <a:endParaRPr lang="en-CH"/>
           </a:p>
@@ -6731,7 +6702,7 @@
           <a:p>
             <a:fld id="{221424E7-B214-6A48-ABA6-8CC9BA759444}" type="datetimeFigureOut">
               <a:rPr lang="en-CH" smtClean="0"/>
-              <a:t>19.06.2025</a:t>
+              <a:t>20.06.2025</a:t>
             </a:fld>
             <a:endParaRPr lang="en-CH"/>
           </a:p>
@@ -6974,7 +6945,7 @@
           <a:p>
             <a:fld id="{221424E7-B214-6A48-ABA6-8CC9BA759444}" type="datetimeFigureOut">
               <a:rPr lang="en-CH" smtClean="0"/>
-              <a:t>19.06.2025</a:t>
+              <a:t>20.06.2025</a:t>
             </a:fld>
             <a:endParaRPr lang="en-CH"/>
           </a:p>
@@ -7404,7 +7375,7 @@
           <p:nvPr>
             <p:extLst>
               <p:ext uri="{D42A27DB-BD31-4B8C-83A1-F6EECF244321}">
-                <p14:modId xmlns:p14="http://schemas.microsoft.com/office/powerpoint/2010/main" val="1206587801"/>
+                <p14:modId xmlns:p14="http://schemas.microsoft.com/office/powerpoint/2010/main" val="1048416345"/>
               </p:ext>
             </p:extLst>
           </p:nvPr>
@@ -7441,7 +7412,7 @@
         </p:blipFill>
         <p:spPr>
           <a:xfrm>
-            <a:off x="5308717" y="2465172"/>
+            <a:off x="5308717" y="2551669"/>
             <a:ext cx="1749681" cy="1754659"/>
           </a:xfrm>
           <a:prstGeom prst="rect">
